--- a/Presentation.pptx
+++ b/Presentation.pptx
@@ -120,6 +120,11 @@
       </a:defRPr>
     </a:lvl9pPr>
   </p:defaultTextStyle>
+  <p:extLst>
+    <p:ext uri="{EFAFB233-063F-42B5-8137-9DF3F51BA10A}">
+      <p15:sldGuideLst xmlns:p15="http://schemas.microsoft.com/office/powerpoint/2012/main"/>
+    </p:ext>
+  </p:extLst>
 </p:presentation>
 </file>
 
@@ -5844,6 +5849,63 @@
           <a:chExt cx="0" cy="0"/>
         </a:xfrm>
       </p:grpSpPr>
+      <p:sp>
+        <p:nvSpPr>
+          <p:cNvPr id="2" name="TextBox 1"/>
+          <p:cNvSpPr txBox="1"/>
+          <p:nvPr/>
+        </p:nvSpPr>
+        <p:spPr>
+          <a:xfrm>
+            <a:off x="927652" y="2597426"/>
+            <a:ext cx="9488557" cy="1569660"/>
+          </a:xfrm>
+          <a:prstGeom prst="rect">
+            <a:avLst/>
+          </a:prstGeom>
+          <a:noFill/>
+        </p:spPr>
+        <p:txBody>
+          <a:bodyPr wrap="square" rtlCol="0">
+            <a:spAutoFit/>
+          </a:bodyPr>
+          <a:lstStyle/>
+          <a:p>
+            <a:r>
+              <a:rPr lang="th-TH" sz="9600" dirty="0">
+                <a:latin typeface="TH SarabunPSK" panose="020B0500040200020003" pitchFamily="34" charset="-34"/>
+                <a:cs typeface="TH SarabunPSK" panose="020B0500040200020003" pitchFamily="34" charset="-34"/>
+              </a:rPr>
+              <a:t>วิธีการทำ </a:t>
+            </a:r>
+            <a:r>
+              <a:rPr lang="en-US" sz="9600" dirty="0">
+                <a:latin typeface="TH SarabunPSK" panose="020B0500040200020003" pitchFamily="34" charset="-34"/>
+                <a:cs typeface="TH SarabunPSK" panose="020B0500040200020003" pitchFamily="34" charset="-34"/>
+              </a:rPr>
+              <a:t>Rail </a:t>
+            </a:r>
+            <a:r>
+              <a:rPr lang="en-US" sz="9600" dirty="0" err="1">
+                <a:latin typeface="TH SarabunPSK" panose="020B0500040200020003" pitchFamily="34" charset="-34"/>
+                <a:cs typeface="TH SarabunPSK" panose="020B0500040200020003" pitchFamily="34" charset="-34"/>
+              </a:rPr>
+              <a:t>Git</a:t>
+            </a:r>
+            <a:r>
+              <a:rPr lang="en-US" sz="9600" dirty="0">
+                <a:latin typeface="TH SarabunPSK" panose="020B0500040200020003" pitchFamily="34" charset="-34"/>
+                <a:cs typeface="TH SarabunPSK" panose="020B0500040200020003" pitchFamily="34" charset="-34"/>
+              </a:rPr>
+              <a:t> Heroku</a:t>
+            </a:r>
+            <a:endParaRPr lang="th-TH" sz="9600" dirty="0">
+              <a:latin typeface="TH SarabunPSK" panose="020B0500040200020003" pitchFamily="34" charset="-34"/>
+              <a:cs typeface="TH SarabunPSK" panose="020B0500040200020003" pitchFamily="34" charset="-34"/>
+            </a:endParaRPr>
+          </a:p>
+        </p:txBody>
+      </p:sp>
     </p:spTree>
     <p:extLst>
       <p:ext uri="{BB962C8B-B14F-4D97-AF65-F5344CB8AC3E}">
